--- a/javaScript_junior/12.03-js01/note/12.3_js01.pptx
+++ b/javaScript_junior/12.03-js01/note/12.3_js01.pptx
@@ -36076,8 +36076,8 @@
         </p:nvSpPr>
         <p:spPr>
           <a:xfrm>
-            <a:off x="526869" y="915566"/>
-            <a:ext cx="8285471" cy="3971925"/>
+            <a:off x="527050" y="1515110"/>
+            <a:ext cx="8293735" cy="3372485"/>
           </a:xfrm>
           <a:prstGeom prst="rect">
             <a:avLst/>
